--- a/18-data-visualization/Contenido Semana 2/4.4. Presentación - Visualizaciones Geográficas.pptx
+++ b/18-data-visualization/Contenido Semana 2/4.4. Presentación - Visualizaciones Geográficas.pptx
@@ -22,14 +22,14 @@
       <p:boldItalic r:id="rId8"/>
     </p:embeddedFont>
     <p:embeddedFont>
-      <p:font typeface="Calibri" panose="020F0502020204030204" pitchFamily="34" charset="0"/>
+      <p:font typeface="Montserrat" panose="020B0604020202020204" charset="0"/>
       <p:regular r:id="rId9"/>
       <p:bold r:id="rId10"/>
       <p:italic r:id="rId11"/>
       <p:boldItalic r:id="rId12"/>
     </p:embeddedFont>
     <p:embeddedFont>
-      <p:font typeface="Montserrat" panose="020B0604020202020204" charset="0"/>
+      <p:font typeface="Calibri" panose="020F0502020204030204" pitchFamily="34" charset="0"/>
       <p:regular r:id="rId13"/>
       <p:bold r:id="rId14"/>
       <p:italic r:id="rId15"/>
@@ -10121,29 +10121,20 @@
           </a:bodyPr>
           <a:lstStyle/>
           <a:p>
-            <a:pPr marL="0" marR="0" lvl="0" indent="0" algn="l" rtl="0">
+            <a:pPr marL="0" lvl="0" indent="0">
               <a:lnSpc>
                 <a:spcPct val="90000"/>
               </a:lnSpc>
               <a:spcBef>
                 <a:spcPts val="0"/>
               </a:spcBef>
-              <a:buClr>
-                <a:schemeClr val="dk1"/>
-              </a:buClr>
               <a:buSzPct val="25000"/>
-              <a:buFont typeface="Arial"/>
               <a:buNone/>
             </a:pPr>
             <a:r>
-              <a:rPr lang="es-VE" sz="1850" b="0" i="0" u="none" strike="noStrike" cap="none" dirty="0">
-                <a:solidFill>
-                  <a:schemeClr val="dk1"/>
-                </a:solidFill>
-              </a:rPr>
-              <a:t>Texto</a:t>
+              <a:rPr lang="es-VE" sz="1850" dirty="0"/>
+              <a:t>http://desktop.arcgis.com/es/arcmap/10.3/guide-books/map-projections/about-geographic-coordinate-systems.htm</a:t>
             </a:r>
-            <a:endParaRPr lang="es-VE" sz="1850" dirty="0"/>
           </a:p>
         </p:txBody>
       </p:sp>

--- a/18-data-visualization/Contenido Semana 2/4.4. Presentación - Visualizaciones Geográficas.pptx
+++ b/18-data-visualization/Contenido Semana 2/4.4. Presentación - Visualizaciones Geográficas.pptx
@@ -5,35 +5,37 @@
     <p:sldMasterId id="2147483670" r:id="rId1"/>
   </p:sldMasterIdLst>
   <p:notesMasterIdLst>
-    <p:notesMasterId r:id="rId4"/>
+    <p:notesMasterId r:id="rId6"/>
   </p:notesMasterIdLst>
   <p:sldIdLst>
     <p:sldId id="282" r:id="rId2"/>
     <p:sldId id="283" r:id="rId3"/>
+    <p:sldId id="284" r:id="rId4"/>
+    <p:sldId id="285" r:id="rId5"/>
   </p:sldIdLst>
   <p:sldSz cx="9144000" cy="6858000" type="screen4x3"/>
   <p:notesSz cx="6858000" cy="9144000"/>
   <p:embeddedFontLst>
     <p:embeddedFont>
-      <p:font typeface="Raleway" panose="020B0604020202020204" charset="0"/>
-      <p:regular r:id="rId5"/>
-      <p:bold r:id="rId6"/>
-      <p:italic r:id="rId7"/>
-      <p:boldItalic r:id="rId8"/>
+      <p:font typeface="Calibri" panose="020F0502020204030204" pitchFamily="34" charset="0"/>
+      <p:regular r:id="rId7"/>
+      <p:bold r:id="rId8"/>
+      <p:italic r:id="rId9"/>
+      <p:boldItalic r:id="rId10"/>
     </p:embeddedFont>
     <p:embeddedFont>
       <p:font typeface="Montserrat" panose="020B0604020202020204" charset="0"/>
-      <p:regular r:id="rId9"/>
-      <p:bold r:id="rId10"/>
-      <p:italic r:id="rId11"/>
-      <p:boldItalic r:id="rId12"/>
+      <p:regular r:id="rId11"/>
+      <p:bold r:id="rId12"/>
+      <p:italic r:id="rId13"/>
+      <p:boldItalic r:id="rId14"/>
     </p:embeddedFont>
     <p:embeddedFont>
-      <p:font typeface="Calibri" panose="020F0502020204030204" pitchFamily="34" charset="0"/>
-      <p:regular r:id="rId13"/>
-      <p:bold r:id="rId14"/>
-      <p:italic r:id="rId15"/>
-      <p:boldItalic r:id="rId16"/>
+      <p:font typeface="Raleway" panose="020B0604020202020204" charset="0"/>
+      <p:regular r:id="rId15"/>
+      <p:bold r:id="rId16"/>
+      <p:italic r:id="rId17"/>
+      <p:boldItalic r:id="rId18"/>
     </p:embeddedFont>
   </p:embeddedFontLst>
   <p:defaultTextStyle>
@@ -1319,6 +1321,218 @@
     <p:extLst>
       <p:ext uri="{BB962C8B-B14F-4D97-AF65-F5344CB8AC3E}">
         <p14:creationId xmlns:p14="http://schemas.microsoft.com/office/powerpoint/2010/main" val="2401736586"/>
+      </p:ext>
+    </p:extLst>
+  </p:cSld>
+  <p:clrMapOvr>
+    <a:masterClrMapping/>
+  </p:clrMapOvr>
+</p:notes>
+</file>
+
+<file path=ppt/notesSlides/notesSlide3.xml><?xml version="1.0" encoding="utf-8"?>
+<p:notes xmlns:a="http://schemas.openxmlformats.org/drawingml/2006/main" xmlns:r="http://schemas.openxmlformats.org/officeDocument/2006/relationships" xmlns:p="http://schemas.openxmlformats.org/presentationml/2006/main" showMasterSp="0" showMasterPhAnim="0">
+  <p:cSld>
+    <p:spTree>
+      <p:nvGrpSpPr>
+        <p:cNvPr id="1" name="Shape 389"/>
+        <p:cNvGrpSpPr/>
+        <p:nvPr/>
+      </p:nvGrpSpPr>
+      <p:grpSpPr>
+        <a:xfrm>
+          <a:off x="0" y="0"/>
+          <a:ext cx="0" cy="0"/>
+          <a:chOff x="0" y="0"/>
+          <a:chExt cx="0" cy="0"/>
+        </a:xfrm>
+      </p:grpSpPr>
+      <p:sp>
+        <p:nvSpPr>
+          <p:cNvPr id="390" name="Shape 390"/>
+          <p:cNvSpPr txBox="1">
+            <a:spLocks noGrp="1"/>
+          </p:cNvSpPr>
+          <p:nvPr>
+            <p:ph type="body" idx="1"/>
+          </p:nvPr>
+        </p:nvSpPr>
+        <p:spPr>
+          <a:xfrm>
+            <a:off x="685800" y="4343400"/>
+            <a:ext cx="5486400" cy="4114800"/>
+          </a:xfrm>
+          <a:prstGeom prst="rect">
+            <a:avLst/>
+          </a:prstGeom>
+        </p:spPr>
+        <p:txBody>
+          <a:bodyPr lIns="91425" tIns="91425" rIns="91425" bIns="91425" anchor="t" anchorCtr="0">
+            <a:noAutofit/>
+          </a:bodyPr>
+          <a:lstStyle/>
+          <a:p>
+            <a:pPr lvl="0">
+              <a:spcBef>
+                <a:spcPts val="0"/>
+              </a:spcBef>
+              <a:buNone/>
+            </a:pPr>
+            <a:endParaRPr/>
+          </a:p>
+        </p:txBody>
+      </p:sp>
+      <p:sp>
+        <p:nvSpPr>
+          <p:cNvPr id="391" name="Shape 391"/>
+          <p:cNvSpPr>
+            <a:spLocks noGrp="1" noRot="1" noChangeAspect="1"/>
+          </p:cNvSpPr>
+          <p:nvPr>
+            <p:ph type="sldImg" idx="2"/>
+          </p:nvPr>
+        </p:nvSpPr>
+        <p:spPr>
+          <a:xfrm>
+            <a:off x="1143000" y="685800"/>
+            <a:ext cx="4572000" cy="3429000"/>
+          </a:xfrm>
+          <a:custGeom>
+            <a:avLst/>
+            <a:gdLst/>
+            <a:ahLst/>
+            <a:cxnLst/>
+            <a:rect l="0" t="0" r="0" b="0"/>
+            <a:pathLst>
+              <a:path w="120000" h="120000" extrusionOk="0">
+                <a:moveTo>
+                  <a:pt x="0" y="0"/>
+                </a:moveTo>
+                <a:lnTo>
+                  <a:pt x="120000" y="0"/>
+                </a:lnTo>
+                <a:lnTo>
+                  <a:pt x="120000" y="120000"/>
+                </a:lnTo>
+                <a:lnTo>
+                  <a:pt x="0" y="120000"/>
+                </a:lnTo>
+                <a:close/>
+              </a:path>
+            </a:pathLst>
+          </a:custGeom>
+        </p:spPr>
+      </p:sp>
+    </p:spTree>
+    <p:extLst>
+      <p:ext uri="{BB962C8B-B14F-4D97-AF65-F5344CB8AC3E}">
+        <p14:creationId xmlns:p14="http://schemas.microsoft.com/office/powerpoint/2010/main" val="1443746215"/>
+      </p:ext>
+    </p:extLst>
+  </p:cSld>
+  <p:clrMapOvr>
+    <a:masterClrMapping/>
+  </p:clrMapOvr>
+</p:notes>
+</file>
+
+<file path=ppt/notesSlides/notesSlide4.xml><?xml version="1.0" encoding="utf-8"?>
+<p:notes xmlns:a="http://schemas.openxmlformats.org/drawingml/2006/main" xmlns:r="http://schemas.openxmlformats.org/officeDocument/2006/relationships" xmlns:p="http://schemas.openxmlformats.org/presentationml/2006/main" showMasterSp="0" showMasterPhAnim="0">
+  <p:cSld>
+    <p:spTree>
+      <p:nvGrpSpPr>
+        <p:cNvPr id="1" name="Shape 389"/>
+        <p:cNvGrpSpPr/>
+        <p:nvPr/>
+      </p:nvGrpSpPr>
+      <p:grpSpPr>
+        <a:xfrm>
+          <a:off x="0" y="0"/>
+          <a:ext cx="0" cy="0"/>
+          <a:chOff x="0" y="0"/>
+          <a:chExt cx="0" cy="0"/>
+        </a:xfrm>
+      </p:grpSpPr>
+      <p:sp>
+        <p:nvSpPr>
+          <p:cNvPr id="390" name="Shape 390"/>
+          <p:cNvSpPr txBox="1">
+            <a:spLocks noGrp="1"/>
+          </p:cNvSpPr>
+          <p:nvPr>
+            <p:ph type="body" idx="1"/>
+          </p:nvPr>
+        </p:nvSpPr>
+        <p:spPr>
+          <a:xfrm>
+            <a:off x="685800" y="4343400"/>
+            <a:ext cx="5486400" cy="4114800"/>
+          </a:xfrm>
+          <a:prstGeom prst="rect">
+            <a:avLst/>
+          </a:prstGeom>
+        </p:spPr>
+        <p:txBody>
+          <a:bodyPr lIns="91425" tIns="91425" rIns="91425" bIns="91425" anchor="t" anchorCtr="0">
+            <a:noAutofit/>
+          </a:bodyPr>
+          <a:lstStyle/>
+          <a:p>
+            <a:pPr lvl="0">
+              <a:spcBef>
+                <a:spcPts val="0"/>
+              </a:spcBef>
+              <a:buNone/>
+            </a:pPr>
+            <a:endParaRPr/>
+          </a:p>
+        </p:txBody>
+      </p:sp>
+      <p:sp>
+        <p:nvSpPr>
+          <p:cNvPr id="391" name="Shape 391"/>
+          <p:cNvSpPr>
+            <a:spLocks noGrp="1" noRot="1" noChangeAspect="1"/>
+          </p:cNvSpPr>
+          <p:nvPr>
+            <p:ph type="sldImg" idx="2"/>
+          </p:nvPr>
+        </p:nvSpPr>
+        <p:spPr>
+          <a:xfrm>
+            <a:off x="1143000" y="685800"/>
+            <a:ext cx="4572000" cy="3429000"/>
+          </a:xfrm>
+          <a:custGeom>
+            <a:avLst/>
+            <a:gdLst/>
+            <a:ahLst/>
+            <a:cxnLst/>
+            <a:rect l="0" t="0" r="0" b="0"/>
+            <a:pathLst>
+              <a:path w="120000" h="120000" extrusionOk="0">
+                <a:moveTo>
+                  <a:pt x="0" y="0"/>
+                </a:moveTo>
+                <a:lnTo>
+                  <a:pt x="120000" y="0"/>
+                </a:lnTo>
+                <a:lnTo>
+                  <a:pt x="120000" y="120000"/>
+                </a:lnTo>
+                <a:lnTo>
+                  <a:pt x="0" y="120000"/>
+                </a:lnTo>
+                <a:close/>
+              </a:path>
+            </a:pathLst>
+          </a:custGeom>
+        </p:spPr>
+      </p:sp>
+    </p:spTree>
+    <p:extLst>
+      <p:ext uri="{BB962C8B-B14F-4D97-AF65-F5344CB8AC3E}">
+        <p14:creationId xmlns:p14="http://schemas.microsoft.com/office/powerpoint/2010/main" val="1675822005"/>
       </p:ext>
     </p:extLst>
   </p:cSld>
@@ -10104,8 +10318,8 @@
         </p:nvSpPr>
         <p:spPr>
           <a:xfrm>
-            <a:off x="457200" y="1628481"/>
-            <a:ext cx="8229600" cy="4526100"/>
+            <a:off x="457200" y="5312003"/>
+            <a:ext cx="8229600" cy="842577"/>
           </a:xfrm>
           <a:prstGeom prst="rect">
             <a:avLst/>
@@ -10132,7 +10346,33 @@
               <a:buNone/>
             </a:pPr>
             <a:r>
-              <a:rPr lang="es-VE" sz="1850" dirty="0"/>
+              <a:rPr lang="es-VE" sz="1600" dirty="0">
+                <a:latin typeface="Raleway" panose="020B0604020202020204" charset="0"/>
+              </a:rPr>
+              <a:t>Más información en</a:t>
+            </a:r>
+            <a:r>
+              <a:rPr lang="es-VE" sz="1850" dirty="0">
+                <a:latin typeface="Raleway" panose="020B0604020202020204" charset="0"/>
+              </a:rPr>
+              <a:t>: </a:t>
+            </a:r>
+          </a:p>
+          <a:p>
+            <a:pPr marL="0" lvl="0" indent="0">
+              <a:lnSpc>
+                <a:spcPct val="90000"/>
+              </a:lnSpc>
+              <a:spcBef>
+                <a:spcPts val="0"/>
+              </a:spcBef>
+              <a:buSzPct val="25000"/>
+              <a:buNone/>
+            </a:pPr>
+            <a:r>
+              <a:rPr lang="es-VE" sz="1200" dirty="0">
+                <a:latin typeface="Raleway" panose="020B0604020202020204" charset="0"/>
+              </a:rPr>
               <a:t>http://desktop.arcgis.com/es/arcmap/10.3/guide-books/map-projections/about-geographic-coordinate-systems.htm</a:t>
             </a:r>
           </a:p>
@@ -10262,7 +10502,7 @@
                 <a:cs typeface="Raleway"/>
                 <a:sym typeface="Raleway"/>
               </a:rPr>
-              <a:t>Título</a:t>
+              <a:t>Coordenadas Geográficas</a:t>
             </a:r>
             <a:endParaRPr lang="es-GT" sz="3600" b="0" i="0" u="none" strike="noStrike" cap="none" dirty="0">
               <a:solidFill>
@@ -10276,10 +10516,1265 @@
           </a:p>
         </p:txBody>
       </p:sp>
+      <p:pic>
+        <p:nvPicPr>
+          <p:cNvPr id="1026" name="Picture 2" descr="Ilustración de los paralelos y los meridianos que forman una retícula">
+            <a:extLst>
+              <a:ext uri="{FF2B5EF4-FFF2-40B4-BE49-F238E27FC236}">
+                <a16:creationId xmlns:a16="http://schemas.microsoft.com/office/drawing/2014/main" id="{84DFB543-849E-47E3-9F07-AD5E9A13B491}"/>
+              </a:ext>
+            </a:extLst>
+          </p:cNvPr>
+          <p:cNvPicPr>
+            <a:picLocks noChangeAspect="1" noChangeArrowheads="1"/>
+          </p:cNvPicPr>
+          <p:nvPr/>
+        </p:nvPicPr>
+        <p:blipFill>
+          <a:blip r:embed="rId4">
+            <a:extLst>
+              <a:ext uri="{28A0092B-C50C-407E-A947-70E740481C1C}">
+                <a14:useLocalDpi xmlns:a14="http://schemas.microsoft.com/office/drawing/2010/main" val="0"/>
+              </a:ext>
+            </a:extLst>
+          </a:blip>
+          <a:srcRect/>
+          <a:stretch>
+            <a:fillRect/>
+          </a:stretch>
+        </p:blipFill>
+        <p:spPr bwMode="auto">
+          <a:xfrm>
+            <a:off x="322573" y="2214221"/>
+            <a:ext cx="5923299" cy="1602900"/>
+          </a:xfrm>
+          <a:prstGeom prst="rect">
+            <a:avLst/>
+          </a:prstGeom>
+          <a:noFill/>
+          <a:extLst>
+            <a:ext uri="{909E8E84-426E-40DD-AFC4-6F175D3DCCD1}">
+              <a14:hiddenFill xmlns:a14="http://schemas.microsoft.com/office/drawing/2010/main">
+                <a:solidFill>
+                  <a:srgbClr val="FFFFFF"/>
+                </a:solidFill>
+              </a14:hiddenFill>
+            </a:ext>
+          </a:extLst>
+        </p:spPr>
+      </p:pic>
+      <p:pic>
+        <p:nvPicPr>
+          <p:cNvPr id="1028" name="Picture 4" descr="Ilustración de un globo con valores de longitud y latitud">
+            <a:extLst>
+              <a:ext uri="{FF2B5EF4-FFF2-40B4-BE49-F238E27FC236}">
+                <a16:creationId xmlns:a16="http://schemas.microsoft.com/office/drawing/2014/main" id="{80C51602-D15B-45D1-A664-20BC3D851F99}"/>
+              </a:ext>
+            </a:extLst>
+          </p:cNvPr>
+          <p:cNvPicPr>
+            <a:picLocks noChangeAspect="1" noChangeArrowheads="1"/>
+          </p:cNvPicPr>
+          <p:nvPr/>
+        </p:nvPicPr>
+        <p:blipFill>
+          <a:blip r:embed="rId5">
+            <a:extLst>
+              <a:ext uri="{28A0092B-C50C-407E-A947-70E740481C1C}">
+                <a14:useLocalDpi xmlns:a14="http://schemas.microsoft.com/office/drawing/2010/main" val="0"/>
+              </a:ext>
+            </a:extLst>
+          </a:blip>
+          <a:srcRect/>
+          <a:stretch>
+            <a:fillRect/>
+          </a:stretch>
+        </p:blipFill>
+        <p:spPr bwMode="auto">
+          <a:xfrm>
+            <a:off x="6858000" y="2132233"/>
+            <a:ext cx="1895475" cy="1905000"/>
+          </a:xfrm>
+          <a:prstGeom prst="rect">
+            <a:avLst/>
+          </a:prstGeom>
+          <a:noFill/>
+          <a:extLst>
+            <a:ext uri="{909E8E84-426E-40DD-AFC4-6F175D3DCCD1}">
+              <a14:hiddenFill xmlns:a14="http://schemas.microsoft.com/office/drawing/2010/main">
+                <a:solidFill>
+                  <a:srgbClr val="FFFFFF"/>
+                </a:solidFill>
+              </a14:hiddenFill>
+            </a:ext>
+          </a:extLst>
+        </p:spPr>
+      </p:pic>
+      <p:sp>
+        <p:nvSpPr>
+          <p:cNvPr id="2" name="TextBox 1">
+            <a:extLst>
+              <a:ext uri="{FF2B5EF4-FFF2-40B4-BE49-F238E27FC236}">
+                <a16:creationId xmlns:a16="http://schemas.microsoft.com/office/drawing/2014/main" id="{B437EAD5-72A5-4F9D-8CA1-14EAE5DCA3F1}"/>
+              </a:ext>
+            </a:extLst>
+          </p:cNvPr>
+          <p:cNvSpPr txBox="1"/>
+          <p:nvPr/>
+        </p:nvSpPr>
+        <p:spPr>
+          <a:xfrm flipH="1">
+            <a:off x="-437943" y="4256725"/>
+            <a:ext cx="2980285" cy="523220"/>
+          </a:xfrm>
+          <a:prstGeom prst="rect">
+            <a:avLst/>
+          </a:prstGeom>
+          <a:noFill/>
+        </p:spPr>
+        <p:txBody>
+          <a:bodyPr wrap="square" rtlCol="0">
+            <a:spAutoFit/>
+          </a:bodyPr>
+          <a:lstStyle/>
+          <a:p>
+            <a:pPr algn="ctr"/>
+            <a:r>
+              <a:rPr lang="es-VE" dirty="0">
+                <a:latin typeface="Raleway" panose="020B0604020202020204" charset="0"/>
+              </a:rPr>
+              <a:t>Latitud </a:t>
+            </a:r>
+          </a:p>
+          <a:p>
+            <a:pPr algn="ctr"/>
+            <a:r>
+              <a:rPr lang="es-VE" dirty="0">
+                <a:latin typeface="Raleway" panose="020B0604020202020204" charset="0"/>
+              </a:rPr>
+              <a:t>define paralelos</a:t>
+            </a:r>
+            <a:endParaRPr lang="en-US" dirty="0">
+              <a:latin typeface="Raleway" panose="020B0604020202020204" charset="0"/>
+            </a:endParaRPr>
+          </a:p>
+        </p:txBody>
+      </p:sp>
+      <p:sp>
+        <p:nvSpPr>
+          <p:cNvPr id="9" name="TextBox 8">
+            <a:extLst>
+              <a:ext uri="{FF2B5EF4-FFF2-40B4-BE49-F238E27FC236}">
+                <a16:creationId xmlns:a16="http://schemas.microsoft.com/office/drawing/2014/main" id="{55F34AC2-3A69-4CB8-88CD-31E25611B56E}"/>
+              </a:ext>
+            </a:extLst>
+          </p:cNvPr>
+          <p:cNvSpPr txBox="1"/>
+          <p:nvPr/>
+        </p:nvSpPr>
+        <p:spPr>
+          <a:xfrm flipH="1">
+            <a:off x="1748192" y="4223243"/>
+            <a:ext cx="2980285" cy="523220"/>
+          </a:xfrm>
+          <a:prstGeom prst="rect">
+            <a:avLst/>
+          </a:prstGeom>
+          <a:noFill/>
+        </p:spPr>
+        <p:txBody>
+          <a:bodyPr wrap="square" rtlCol="0">
+            <a:spAutoFit/>
+          </a:bodyPr>
+          <a:lstStyle/>
+          <a:p>
+            <a:pPr algn="ctr"/>
+            <a:r>
+              <a:rPr lang="es-VE" dirty="0">
+                <a:latin typeface="Raleway" panose="020B0604020202020204" charset="0"/>
+              </a:rPr>
+              <a:t>Longitud  </a:t>
+            </a:r>
+          </a:p>
+          <a:p>
+            <a:pPr algn="ctr"/>
+            <a:r>
+              <a:rPr lang="es-VE" dirty="0">
+                <a:latin typeface="Raleway" panose="020B0604020202020204" charset="0"/>
+              </a:rPr>
+              <a:t>define meridianos</a:t>
+            </a:r>
+            <a:endParaRPr lang="en-US" dirty="0">
+              <a:latin typeface="Raleway" panose="020B0604020202020204" charset="0"/>
+            </a:endParaRPr>
+          </a:p>
+        </p:txBody>
+      </p:sp>
+      <p:sp>
+        <p:nvSpPr>
+          <p:cNvPr id="10" name="TextBox 9">
+            <a:extLst>
+              <a:ext uri="{FF2B5EF4-FFF2-40B4-BE49-F238E27FC236}">
+                <a16:creationId xmlns:a16="http://schemas.microsoft.com/office/drawing/2014/main" id="{9DEACD23-66D1-49A0-99E5-70BF2D1402C1}"/>
+              </a:ext>
+            </a:extLst>
+          </p:cNvPr>
+          <p:cNvSpPr txBox="1"/>
+          <p:nvPr/>
+        </p:nvSpPr>
+        <p:spPr>
+          <a:xfrm flipH="1">
+            <a:off x="4213638" y="4318055"/>
+            <a:ext cx="5127318" cy="307777"/>
+          </a:xfrm>
+          <a:prstGeom prst="rect">
+            <a:avLst/>
+          </a:prstGeom>
+          <a:noFill/>
+        </p:spPr>
+        <p:txBody>
+          <a:bodyPr wrap="square" rtlCol="0">
+            <a:spAutoFit/>
+          </a:bodyPr>
+          <a:lstStyle/>
+          <a:p>
+            <a:pPr algn="ctr"/>
+            <a:r>
+              <a:rPr lang="es-VE" dirty="0">
+                <a:latin typeface="Raleway" panose="020B0604020202020204" charset="0"/>
+              </a:rPr>
+              <a:t>Juntas son las coordenadas geográficas de un punto</a:t>
+            </a:r>
+            <a:endParaRPr lang="en-US" dirty="0">
+              <a:latin typeface="Raleway" panose="020B0604020202020204" charset="0"/>
+            </a:endParaRPr>
+          </a:p>
+        </p:txBody>
+      </p:sp>
     </p:spTree>
     <p:extLst>
       <p:ext uri="{BB962C8B-B14F-4D97-AF65-F5344CB8AC3E}">
         <p14:creationId xmlns:p14="http://schemas.microsoft.com/office/powerpoint/2010/main" val="1269151904"/>
+      </p:ext>
+    </p:extLst>
+  </p:cSld>
+  <p:clrMapOvr>
+    <a:masterClrMapping/>
+  </p:clrMapOvr>
+</p:sld>
+</file>
+
+<file path=ppt/slides/slide3.xml><?xml version="1.0" encoding="utf-8"?>
+<p:sld xmlns:a="http://schemas.openxmlformats.org/drawingml/2006/main" xmlns:r="http://schemas.openxmlformats.org/officeDocument/2006/relationships" xmlns:p="http://schemas.openxmlformats.org/presentationml/2006/main">
+  <p:cSld>
+    <p:spTree>
+      <p:nvGrpSpPr>
+        <p:cNvPr id="1" name="Shape 392"/>
+        <p:cNvGrpSpPr/>
+        <p:nvPr/>
+      </p:nvGrpSpPr>
+      <p:grpSpPr>
+        <a:xfrm>
+          <a:off x="0" y="0"/>
+          <a:ext cx="0" cy="0"/>
+          <a:chOff x="0" y="0"/>
+          <a:chExt cx="0" cy="0"/>
+        </a:xfrm>
+      </p:grpSpPr>
+      <p:sp>
+        <p:nvSpPr>
+          <p:cNvPr id="394" name="Shape 394"/>
+          <p:cNvSpPr txBox="1">
+            <a:spLocks noGrp="1"/>
+          </p:cNvSpPr>
+          <p:nvPr>
+            <p:ph type="title"/>
+          </p:nvPr>
+        </p:nvSpPr>
+        <p:spPr>
+          <a:xfrm>
+            <a:off x="666539" y="209956"/>
+            <a:ext cx="5192220" cy="428400"/>
+          </a:xfrm>
+          <a:prstGeom prst="rect">
+            <a:avLst/>
+          </a:prstGeom>
+          <a:noFill/>
+          <a:ln>
+            <a:noFill/>
+          </a:ln>
+        </p:spPr>
+        <p:txBody>
+          <a:bodyPr lIns="91425" tIns="45700" rIns="91425" bIns="45700" anchor="ctr" anchorCtr="0">
+            <a:noAutofit/>
+          </a:bodyPr>
+          <a:lstStyle/>
+          <a:p>
+            <a:pPr lvl="0" algn="l">
+              <a:buClr>
+                <a:srgbClr val="F7B600"/>
+              </a:buClr>
+              <a:buSzPct val="25000"/>
+            </a:pPr>
+            <a:r>
+              <a:rPr lang="es-VE" sz="1200" dirty="0">
+                <a:solidFill>
+                  <a:srgbClr val="F7B600"/>
+                </a:solidFill>
+                <a:latin typeface="Montserrat"/>
+                <a:ea typeface="Montserrat"/>
+                <a:cs typeface="Montserrat"/>
+                <a:sym typeface="Montserrat"/>
+              </a:rPr>
+              <a:t>4.4 Visualizaciones Geográficas</a:t>
+            </a:r>
+            <a:endParaRPr lang="es-VE" sz="1200" i="0" u="none" strike="noStrike" cap="none" dirty="0">
+              <a:solidFill>
+                <a:srgbClr val="F7B600"/>
+              </a:solidFill>
+              <a:latin typeface="Montserrat"/>
+              <a:ea typeface="Montserrat"/>
+              <a:cs typeface="Montserrat"/>
+              <a:sym typeface="Montserrat"/>
+            </a:endParaRPr>
+          </a:p>
+        </p:txBody>
+      </p:sp>
+      <p:pic>
+        <p:nvPicPr>
+          <p:cNvPr id="395" name="Shape 395" descr="isotipo codeacademy.png"/>
+          <p:cNvPicPr preferRelativeResize="0"/>
+          <p:nvPr/>
+        </p:nvPicPr>
+        <p:blipFill rotWithShape="1">
+          <a:blip r:embed="rId3">
+            <a:alphaModFix/>
+          </a:blip>
+          <a:srcRect/>
+          <a:stretch/>
+        </p:blipFill>
+        <p:spPr>
+          <a:xfrm>
+            <a:off x="131781" y="126082"/>
+            <a:ext cx="548100" cy="548100"/>
+          </a:xfrm>
+          <a:prstGeom prst="rect">
+            <a:avLst/>
+          </a:prstGeom>
+          <a:noFill/>
+          <a:ln>
+            <a:noFill/>
+          </a:ln>
+        </p:spPr>
+      </p:pic>
+      <p:sp>
+        <p:nvSpPr>
+          <p:cNvPr id="396" name="Shape 396"/>
+          <p:cNvSpPr txBox="1"/>
+          <p:nvPr/>
+        </p:nvSpPr>
+        <p:spPr>
+          <a:xfrm>
+            <a:off x="1117077" y="674182"/>
+            <a:ext cx="7107810" cy="646200"/>
+          </a:xfrm>
+          <a:prstGeom prst="rect">
+            <a:avLst/>
+          </a:prstGeom>
+          <a:noFill/>
+          <a:ln>
+            <a:noFill/>
+          </a:ln>
+        </p:spPr>
+        <p:txBody>
+          <a:bodyPr lIns="91425" tIns="45700" rIns="91425" bIns="45700" anchor="t" anchorCtr="0">
+            <a:noAutofit/>
+          </a:bodyPr>
+          <a:lstStyle/>
+          <a:p>
+            <a:pPr marL="0" marR="0" lvl="0" indent="0" algn="l" rtl="0">
+              <a:spcBef>
+                <a:spcPts val="0"/>
+              </a:spcBef>
+              <a:buSzPct val="25000"/>
+              <a:buNone/>
+            </a:pPr>
+            <a:r>
+              <a:rPr lang="es-GT" sz="3600" dirty="0">
+                <a:solidFill>
+                  <a:srgbClr val="F7B600"/>
+                </a:solidFill>
+                <a:latin typeface="Raleway"/>
+                <a:ea typeface="Raleway"/>
+                <a:cs typeface="Raleway"/>
+                <a:sym typeface="Raleway"/>
+              </a:rPr>
+              <a:t>Mapas por Puntos</a:t>
+            </a:r>
+            <a:endParaRPr lang="es-GT" sz="3600" b="0" i="0" u="none" strike="noStrike" cap="none" dirty="0">
+              <a:solidFill>
+                <a:srgbClr val="F7B600"/>
+              </a:solidFill>
+              <a:latin typeface="Raleway"/>
+              <a:ea typeface="Raleway"/>
+              <a:cs typeface="Raleway"/>
+              <a:sym typeface="Raleway"/>
+            </a:endParaRPr>
+          </a:p>
+        </p:txBody>
+      </p:sp>
+      <p:sp>
+        <p:nvSpPr>
+          <p:cNvPr id="2" name="TextBox 1">
+            <a:extLst>
+              <a:ext uri="{FF2B5EF4-FFF2-40B4-BE49-F238E27FC236}">
+                <a16:creationId xmlns:a16="http://schemas.microsoft.com/office/drawing/2014/main" id="{B441D002-04CF-4BB4-A845-BC7D54240BCD}"/>
+              </a:ext>
+            </a:extLst>
+          </p:cNvPr>
+          <p:cNvSpPr txBox="1"/>
+          <p:nvPr/>
+        </p:nvSpPr>
+        <p:spPr>
+          <a:xfrm>
+            <a:off x="377072" y="1592568"/>
+            <a:ext cx="8609085" cy="1600438"/>
+          </a:xfrm>
+          <a:prstGeom prst="rect">
+            <a:avLst/>
+          </a:prstGeom>
+          <a:noFill/>
+        </p:spPr>
+        <p:txBody>
+          <a:bodyPr wrap="square" rtlCol="0">
+            <a:spAutoFit/>
+          </a:bodyPr>
+          <a:lstStyle/>
+          <a:p>
+            <a:r>
+              <a:rPr lang="es-VE" b="1" dirty="0">
+                <a:solidFill>
+                  <a:srgbClr val="F7B617"/>
+                </a:solidFill>
+                <a:latin typeface="Raleway" panose="020B0604020202020204" charset="0"/>
+              </a:rPr>
+              <a:t>Cuando se usa:</a:t>
+            </a:r>
+          </a:p>
+          <a:p>
+            <a:pPr marL="285750" indent="-285750">
+              <a:buFont typeface="Arial" panose="020B0604020202020204" pitchFamily="34" charset="0"/>
+              <a:buChar char="•"/>
+            </a:pPr>
+            <a:r>
+              <a:rPr lang="es-ES" dirty="0">
+                <a:latin typeface="Raleway" panose="020B0604020202020204" charset="0"/>
+              </a:rPr>
+              <a:t>Es ideal usarla cuando tengo varios puntos geográficos</a:t>
+            </a:r>
+            <a:endParaRPr lang="es-VE" dirty="0">
+              <a:latin typeface="Raleway" panose="020B0604020202020204" charset="0"/>
+            </a:endParaRPr>
+          </a:p>
+          <a:p>
+            <a:r>
+              <a:rPr lang="es-VE" b="1" dirty="0">
+                <a:solidFill>
+                  <a:srgbClr val="F7B617"/>
+                </a:solidFill>
+                <a:latin typeface="Raleway" panose="020B0604020202020204" charset="0"/>
+              </a:rPr>
+              <a:t>Recomendaciones:</a:t>
+            </a:r>
+          </a:p>
+          <a:p>
+            <a:pPr marL="285750" indent="-285750">
+              <a:buFont typeface="Arial" panose="020B0604020202020204" pitchFamily="34" charset="0"/>
+              <a:buChar char="•"/>
+            </a:pPr>
+            <a:r>
+              <a:rPr lang="es-ES" dirty="0">
+                <a:latin typeface="Raleway" panose="020B0604020202020204" charset="0"/>
+              </a:rPr>
+              <a:t>Busca que el zoom de la visualización te permita ver todos los puntos de manera cómoda. En caso de ser muchos puntos, escoge un mecanismo para filtrar o mostrar agrupaciones. </a:t>
+            </a:r>
+          </a:p>
+          <a:p>
+            <a:pPr marL="285750" indent="-285750">
+              <a:buFont typeface="Arial" panose="020B0604020202020204" pitchFamily="34" charset="0"/>
+              <a:buChar char="•"/>
+            </a:pPr>
+            <a:r>
+              <a:rPr lang="es-ES" dirty="0">
+                <a:latin typeface="Raleway" panose="020B0604020202020204" charset="0"/>
+              </a:rPr>
+              <a:t>Busca escoger colores que permitan hacer contraste con el fondo del mapa. </a:t>
+            </a:r>
+          </a:p>
+          <a:p>
+            <a:pPr marL="285750" indent="-285750">
+              <a:buFont typeface="Arial" panose="020B0604020202020204" pitchFamily="34" charset="0"/>
+              <a:buChar char="•"/>
+            </a:pPr>
+            <a:r>
+              <a:rPr lang="es-ES" dirty="0">
+                <a:latin typeface="Raleway" panose="020B0604020202020204" charset="0"/>
+              </a:rPr>
+              <a:t>Si usaras una escala categórica o de secuencia dependerá de la variable que quieras representar. </a:t>
+            </a:r>
+          </a:p>
+        </p:txBody>
+      </p:sp>
+      <p:pic>
+        <p:nvPicPr>
+          <p:cNvPr id="7" name="Picture 6" descr="A close up of a map&#10;&#10;Description generated with high confidence">
+            <a:extLst>
+              <a:ext uri="{FF2B5EF4-FFF2-40B4-BE49-F238E27FC236}">
+                <a16:creationId xmlns:a16="http://schemas.microsoft.com/office/drawing/2014/main" id="{BAC12379-E55D-4E9A-8128-3C7203EA8050}"/>
+              </a:ext>
+            </a:extLst>
+          </p:cNvPr>
+          <p:cNvPicPr>
+            <a:picLocks noChangeAspect="1"/>
+          </p:cNvPicPr>
+          <p:nvPr/>
+        </p:nvPicPr>
+        <p:blipFill>
+          <a:blip r:embed="rId4"/>
+          <a:stretch>
+            <a:fillRect/>
+          </a:stretch>
+        </p:blipFill>
+        <p:spPr>
+          <a:xfrm>
+            <a:off x="2488684" y="4277594"/>
+            <a:ext cx="4700940" cy="1772006"/>
+          </a:xfrm>
+          <a:prstGeom prst="rect">
+            <a:avLst/>
+          </a:prstGeom>
+        </p:spPr>
+      </p:pic>
+      <p:sp>
+        <p:nvSpPr>
+          <p:cNvPr id="25" name="TextBox 24">
+            <a:extLst>
+              <a:ext uri="{FF2B5EF4-FFF2-40B4-BE49-F238E27FC236}">
+                <a16:creationId xmlns:a16="http://schemas.microsoft.com/office/drawing/2014/main" id="{27F11082-F1E1-447F-9026-39D27BF9CBE6}"/>
+              </a:ext>
+            </a:extLst>
+          </p:cNvPr>
+          <p:cNvSpPr txBox="1"/>
+          <p:nvPr/>
+        </p:nvSpPr>
+        <p:spPr>
+          <a:xfrm>
+            <a:off x="112541" y="3471147"/>
+            <a:ext cx="1107996" cy="307777"/>
+          </a:xfrm>
+          <a:prstGeom prst="rect">
+            <a:avLst/>
+          </a:prstGeom>
+          <a:noFill/>
+        </p:spPr>
+        <p:txBody>
+          <a:bodyPr wrap="none" rtlCol="0">
+            <a:spAutoFit/>
+          </a:bodyPr>
+          <a:lstStyle/>
+          <a:p>
+            <a:r>
+              <a:rPr lang="es-VE" b="1" dirty="0">
+                <a:solidFill>
+                  <a:srgbClr val="F7B617"/>
+                </a:solidFill>
+                <a:latin typeface="Raleway" panose="020B0604020202020204" charset="0"/>
+              </a:rPr>
+              <a:t>Elementos</a:t>
+            </a:r>
+            <a:endParaRPr lang="en-US" b="1" dirty="0">
+              <a:solidFill>
+                <a:srgbClr val="F7B617"/>
+              </a:solidFill>
+              <a:latin typeface="Raleway" panose="020B0604020202020204" charset="0"/>
+            </a:endParaRPr>
+          </a:p>
+        </p:txBody>
+      </p:sp>
+      <p:sp>
+        <p:nvSpPr>
+          <p:cNvPr id="26" name="TextBox 25">
+            <a:extLst>
+              <a:ext uri="{FF2B5EF4-FFF2-40B4-BE49-F238E27FC236}">
+                <a16:creationId xmlns:a16="http://schemas.microsoft.com/office/drawing/2014/main" id="{27AB9607-B755-46D3-8EC2-DFDF70F68AC4}"/>
+              </a:ext>
+            </a:extLst>
+          </p:cNvPr>
+          <p:cNvSpPr txBox="1"/>
+          <p:nvPr/>
+        </p:nvSpPr>
+        <p:spPr>
+          <a:xfrm>
+            <a:off x="2546917" y="3778924"/>
+            <a:ext cx="3469219" cy="307777"/>
+          </a:xfrm>
+          <a:prstGeom prst="rect">
+            <a:avLst/>
+          </a:prstGeom>
+          <a:noFill/>
+        </p:spPr>
+        <p:txBody>
+          <a:bodyPr wrap="none" rtlCol="0">
+            <a:spAutoFit/>
+          </a:bodyPr>
+          <a:lstStyle/>
+          <a:p>
+            <a:r>
+              <a:rPr lang="es-VE" dirty="0">
+                <a:latin typeface="Raleway" panose="020B0604020202020204" charset="0"/>
+              </a:rPr>
+              <a:t>Puntos definidos por Latitud y Longitud</a:t>
+            </a:r>
+            <a:endParaRPr lang="en-US" dirty="0">
+              <a:latin typeface="Raleway" panose="020B0604020202020204" charset="0"/>
+            </a:endParaRPr>
+          </a:p>
+        </p:txBody>
+      </p:sp>
+      <p:sp>
+        <p:nvSpPr>
+          <p:cNvPr id="27" name="TextBox 26">
+            <a:extLst>
+              <a:ext uri="{FF2B5EF4-FFF2-40B4-BE49-F238E27FC236}">
+                <a16:creationId xmlns:a16="http://schemas.microsoft.com/office/drawing/2014/main" id="{A5A3574C-4776-4935-8676-B2473F6E9D6D}"/>
+              </a:ext>
+            </a:extLst>
+          </p:cNvPr>
+          <p:cNvSpPr txBox="1"/>
+          <p:nvPr/>
+        </p:nvSpPr>
+        <p:spPr>
+          <a:xfrm>
+            <a:off x="2469444" y="6240493"/>
+            <a:ext cx="4259499" cy="307777"/>
+          </a:xfrm>
+          <a:prstGeom prst="rect">
+            <a:avLst/>
+          </a:prstGeom>
+          <a:noFill/>
+        </p:spPr>
+        <p:txBody>
+          <a:bodyPr wrap="none" rtlCol="0">
+            <a:spAutoFit/>
+          </a:bodyPr>
+          <a:lstStyle/>
+          <a:p>
+            <a:r>
+              <a:rPr lang="es-VE" dirty="0">
+                <a:latin typeface="Raleway" panose="020B0604020202020204" charset="0"/>
+              </a:rPr>
+              <a:t>Colores, tamaños y muchas otras combinaciones</a:t>
+            </a:r>
+            <a:endParaRPr lang="en-US" dirty="0">
+              <a:latin typeface="Raleway" panose="020B0604020202020204" charset="0"/>
+            </a:endParaRPr>
+          </a:p>
+        </p:txBody>
+      </p:sp>
+      <p:cxnSp>
+        <p:nvCxnSpPr>
+          <p:cNvPr id="9" name="Straight Arrow Connector 8">
+            <a:extLst>
+              <a:ext uri="{FF2B5EF4-FFF2-40B4-BE49-F238E27FC236}">
+                <a16:creationId xmlns:a16="http://schemas.microsoft.com/office/drawing/2014/main" id="{7631B7D6-6B1A-4932-83A7-0D2C8F978837}"/>
+              </a:ext>
+            </a:extLst>
+          </p:cNvPr>
+          <p:cNvCxnSpPr/>
+          <p:nvPr/>
+        </p:nvCxnSpPr>
+        <p:spPr>
+          <a:xfrm>
+            <a:off x="4136805" y="4277594"/>
+            <a:ext cx="702349" cy="642353"/>
+          </a:xfrm>
+          <a:prstGeom prst="straightConnector1">
+            <a:avLst/>
+          </a:prstGeom>
+          <a:ln>
+            <a:solidFill>
+              <a:schemeClr val="tx1"/>
+            </a:solidFill>
+            <a:tailEnd type="triangle"/>
+          </a:ln>
+        </p:spPr>
+        <p:style>
+          <a:lnRef idx="1">
+            <a:schemeClr val="accent1"/>
+          </a:lnRef>
+          <a:fillRef idx="0">
+            <a:schemeClr val="accent1"/>
+          </a:fillRef>
+          <a:effectRef idx="0">
+            <a:schemeClr val="accent1"/>
+          </a:effectRef>
+          <a:fontRef idx="minor">
+            <a:schemeClr val="tx1"/>
+          </a:fontRef>
+        </p:style>
+      </p:cxnSp>
+      <p:cxnSp>
+        <p:nvCxnSpPr>
+          <p:cNvPr id="30" name="Straight Arrow Connector 29">
+            <a:extLst>
+              <a:ext uri="{FF2B5EF4-FFF2-40B4-BE49-F238E27FC236}">
+                <a16:creationId xmlns:a16="http://schemas.microsoft.com/office/drawing/2014/main" id="{9540A169-3580-4CAE-932C-025017F51E01}"/>
+              </a:ext>
+            </a:extLst>
+          </p:cNvPr>
+          <p:cNvCxnSpPr>
+            <a:cxnSpLocks/>
+          </p:cNvCxnSpPr>
+          <p:nvPr/>
+        </p:nvCxnSpPr>
+        <p:spPr>
+          <a:xfrm flipV="1">
+            <a:off x="3970550" y="5301732"/>
+            <a:ext cx="166255" cy="830895"/>
+          </a:xfrm>
+          <a:prstGeom prst="straightConnector1">
+            <a:avLst/>
+          </a:prstGeom>
+          <a:ln>
+            <a:solidFill>
+              <a:schemeClr val="tx1"/>
+            </a:solidFill>
+            <a:tailEnd type="triangle"/>
+          </a:ln>
+        </p:spPr>
+        <p:style>
+          <a:lnRef idx="1">
+            <a:schemeClr val="accent1"/>
+          </a:lnRef>
+          <a:fillRef idx="0">
+            <a:schemeClr val="accent1"/>
+          </a:fillRef>
+          <a:effectRef idx="0">
+            <a:schemeClr val="accent1"/>
+          </a:effectRef>
+          <a:fontRef idx="minor">
+            <a:schemeClr val="tx1"/>
+          </a:fontRef>
+        </p:style>
+      </p:cxnSp>
+    </p:spTree>
+    <p:extLst>
+      <p:ext uri="{BB962C8B-B14F-4D97-AF65-F5344CB8AC3E}">
+        <p14:creationId xmlns:p14="http://schemas.microsoft.com/office/powerpoint/2010/main" val="3981859209"/>
+      </p:ext>
+    </p:extLst>
+  </p:cSld>
+  <p:clrMapOvr>
+    <a:masterClrMapping/>
+  </p:clrMapOvr>
+</p:sld>
+</file>
+
+<file path=ppt/slides/slide4.xml><?xml version="1.0" encoding="utf-8"?>
+<p:sld xmlns:a="http://schemas.openxmlformats.org/drawingml/2006/main" xmlns:r="http://schemas.openxmlformats.org/officeDocument/2006/relationships" xmlns:p="http://schemas.openxmlformats.org/presentationml/2006/main">
+  <p:cSld>
+    <p:spTree>
+      <p:nvGrpSpPr>
+        <p:cNvPr id="1" name="Shape 392"/>
+        <p:cNvGrpSpPr/>
+        <p:nvPr/>
+      </p:nvGrpSpPr>
+      <p:grpSpPr>
+        <a:xfrm>
+          <a:off x="0" y="0"/>
+          <a:ext cx="0" cy="0"/>
+          <a:chOff x="0" y="0"/>
+          <a:chExt cx="0" cy="0"/>
+        </a:xfrm>
+      </p:grpSpPr>
+      <p:sp>
+        <p:nvSpPr>
+          <p:cNvPr id="394" name="Shape 394"/>
+          <p:cNvSpPr txBox="1">
+            <a:spLocks noGrp="1"/>
+          </p:cNvSpPr>
+          <p:nvPr>
+            <p:ph type="title"/>
+          </p:nvPr>
+        </p:nvSpPr>
+        <p:spPr>
+          <a:xfrm>
+            <a:off x="666539" y="209956"/>
+            <a:ext cx="5192220" cy="428400"/>
+          </a:xfrm>
+          <a:prstGeom prst="rect">
+            <a:avLst/>
+          </a:prstGeom>
+          <a:noFill/>
+          <a:ln>
+            <a:noFill/>
+          </a:ln>
+        </p:spPr>
+        <p:txBody>
+          <a:bodyPr lIns="91425" tIns="45700" rIns="91425" bIns="45700" anchor="ctr" anchorCtr="0">
+            <a:noAutofit/>
+          </a:bodyPr>
+          <a:lstStyle/>
+          <a:p>
+            <a:pPr lvl="0" algn="l">
+              <a:buClr>
+                <a:srgbClr val="F7B600"/>
+              </a:buClr>
+              <a:buSzPct val="25000"/>
+            </a:pPr>
+            <a:r>
+              <a:rPr lang="es-VE" sz="1200" dirty="0">
+                <a:solidFill>
+                  <a:srgbClr val="F7B600"/>
+                </a:solidFill>
+                <a:latin typeface="Montserrat"/>
+                <a:ea typeface="Montserrat"/>
+                <a:cs typeface="Montserrat"/>
+                <a:sym typeface="Montserrat"/>
+              </a:rPr>
+              <a:t>4.4 Visualizaciones Geográficas</a:t>
+            </a:r>
+            <a:endParaRPr lang="es-VE" sz="1200" i="0" u="none" strike="noStrike" cap="none" dirty="0">
+              <a:solidFill>
+                <a:srgbClr val="F7B600"/>
+              </a:solidFill>
+              <a:latin typeface="Montserrat"/>
+              <a:ea typeface="Montserrat"/>
+              <a:cs typeface="Montserrat"/>
+              <a:sym typeface="Montserrat"/>
+            </a:endParaRPr>
+          </a:p>
+        </p:txBody>
+      </p:sp>
+      <p:pic>
+        <p:nvPicPr>
+          <p:cNvPr id="395" name="Shape 395" descr="isotipo codeacademy.png"/>
+          <p:cNvPicPr preferRelativeResize="0"/>
+          <p:nvPr/>
+        </p:nvPicPr>
+        <p:blipFill rotWithShape="1">
+          <a:blip r:embed="rId3">
+            <a:alphaModFix/>
+          </a:blip>
+          <a:srcRect/>
+          <a:stretch/>
+        </p:blipFill>
+        <p:spPr>
+          <a:xfrm>
+            <a:off x="131781" y="126082"/>
+            <a:ext cx="548100" cy="548100"/>
+          </a:xfrm>
+          <a:prstGeom prst="rect">
+            <a:avLst/>
+          </a:prstGeom>
+          <a:noFill/>
+          <a:ln>
+            <a:noFill/>
+          </a:ln>
+        </p:spPr>
+      </p:pic>
+      <p:sp>
+        <p:nvSpPr>
+          <p:cNvPr id="396" name="Shape 396"/>
+          <p:cNvSpPr txBox="1"/>
+          <p:nvPr/>
+        </p:nvSpPr>
+        <p:spPr>
+          <a:xfrm>
+            <a:off x="1117077" y="674182"/>
+            <a:ext cx="7107810" cy="646200"/>
+          </a:xfrm>
+          <a:prstGeom prst="rect">
+            <a:avLst/>
+          </a:prstGeom>
+          <a:noFill/>
+          <a:ln>
+            <a:noFill/>
+          </a:ln>
+        </p:spPr>
+        <p:txBody>
+          <a:bodyPr lIns="91425" tIns="45700" rIns="91425" bIns="45700" anchor="t" anchorCtr="0">
+            <a:noAutofit/>
+          </a:bodyPr>
+          <a:lstStyle/>
+          <a:p>
+            <a:pPr marL="0" marR="0" lvl="0" indent="0" algn="l" rtl="0">
+              <a:spcBef>
+                <a:spcPts val="0"/>
+              </a:spcBef>
+              <a:buSzPct val="25000"/>
+              <a:buNone/>
+            </a:pPr>
+            <a:r>
+              <a:rPr lang="es-GT" sz="3600" dirty="0">
+                <a:solidFill>
+                  <a:srgbClr val="F7B600"/>
+                </a:solidFill>
+                <a:latin typeface="Raleway"/>
+                <a:ea typeface="Raleway"/>
+                <a:cs typeface="Raleway"/>
+                <a:sym typeface="Raleway"/>
+              </a:rPr>
+              <a:t>Mapas por Áreas</a:t>
+            </a:r>
+            <a:endParaRPr lang="es-GT" sz="3600" b="0" i="0" u="none" strike="noStrike" cap="none" dirty="0">
+              <a:solidFill>
+                <a:srgbClr val="F7B600"/>
+              </a:solidFill>
+              <a:latin typeface="Raleway"/>
+              <a:ea typeface="Raleway"/>
+              <a:cs typeface="Raleway"/>
+              <a:sym typeface="Raleway"/>
+            </a:endParaRPr>
+          </a:p>
+        </p:txBody>
+      </p:sp>
+      <p:sp>
+        <p:nvSpPr>
+          <p:cNvPr id="2" name="TextBox 1">
+            <a:extLst>
+              <a:ext uri="{FF2B5EF4-FFF2-40B4-BE49-F238E27FC236}">
+                <a16:creationId xmlns:a16="http://schemas.microsoft.com/office/drawing/2014/main" id="{B441D002-04CF-4BB4-A845-BC7D54240BCD}"/>
+              </a:ext>
+            </a:extLst>
+          </p:cNvPr>
+          <p:cNvSpPr txBox="1"/>
+          <p:nvPr/>
+        </p:nvSpPr>
+        <p:spPr>
+          <a:xfrm>
+            <a:off x="377072" y="1592568"/>
+            <a:ext cx="8609085" cy="2031325"/>
+          </a:xfrm>
+          <a:prstGeom prst="rect">
+            <a:avLst/>
+          </a:prstGeom>
+          <a:noFill/>
+        </p:spPr>
+        <p:txBody>
+          <a:bodyPr wrap="square" rtlCol="0">
+            <a:spAutoFit/>
+          </a:bodyPr>
+          <a:lstStyle/>
+          <a:p>
+            <a:r>
+              <a:rPr lang="es-VE" b="1" dirty="0">
+                <a:solidFill>
+                  <a:srgbClr val="F7B617"/>
+                </a:solidFill>
+                <a:latin typeface="Raleway" panose="020B0604020202020204" charset="0"/>
+              </a:rPr>
+              <a:t>Cuando se usa:</a:t>
+            </a:r>
+          </a:p>
+          <a:p>
+            <a:pPr marL="285750" indent="-285750">
+              <a:buFont typeface="Arial" panose="020B0604020202020204" pitchFamily="34" charset="0"/>
+              <a:buChar char="•"/>
+            </a:pPr>
+            <a:r>
+              <a:rPr lang="es-ES" dirty="0">
+                <a:latin typeface="Raleway" panose="020B0604020202020204" charset="0"/>
+              </a:rPr>
+              <a:t>Se usa para mostrar tendencias en un área geográfica que puede ser una región, un país o un estado para mostrar un indicador. </a:t>
+            </a:r>
+          </a:p>
+          <a:p>
+            <a:r>
+              <a:rPr lang="es-VE" b="1" dirty="0">
+                <a:solidFill>
+                  <a:srgbClr val="F7B617"/>
+                </a:solidFill>
+                <a:latin typeface="Raleway" panose="020B0604020202020204" charset="0"/>
+              </a:rPr>
+              <a:t>Recomendaciones:</a:t>
+            </a:r>
+          </a:p>
+          <a:p>
+            <a:pPr marL="285750" indent="-285750">
+              <a:buFont typeface="Arial" panose="020B0604020202020204" pitchFamily="34" charset="0"/>
+              <a:buChar char="•"/>
+            </a:pPr>
+            <a:r>
+              <a:rPr lang="es-ES" dirty="0">
+                <a:latin typeface="Raleway" panose="020B0604020202020204" charset="0"/>
+              </a:rPr>
+              <a:t>Escoger la escala de colores según la variable a analizar. En el caso de mostrar categorías usar colores bien diferenciados, mientras que si son variables secuenciales,  usar los colores que mejor den la sensación de mayor o menor. </a:t>
+            </a:r>
+          </a:p>
+          <a:p>
+            <a:pPr marL="285750" indent="-285750">
+              <a:buFont typeface="Arial" panose="020B0604020202020204" pitchFamily="34" charset="0"/>
+              <a:buChar char="•"/>
+            </a:pPr>
+            <a:r>
+              <a:rPr lang="es-ES" dirty="0">
+                <a:latin typeface="Raleway" panose="020B0604020202020204" charset="0"/>
+              </a:rPr>
+              <a:t>Cuidar no sobrecargar el mapa y si debe usarse mucha información permitir colocar y quitar capas de información para que la persona pueda entender fácilmente la historia. </a:t>
+            </a:r>
+          </a:p>
+        </p:txBody>
+      </p:sp>
+      <p:pic>
+        <p:nvPicPr>
+          <p:cNvPr id="5" name="Picture 4" descr="A close up of a map&#10;&#10;Description generated with high confidence">
+            <a:extLst>
+              <a:ext uri="{FF2B5EF4-FFF2-40B4-BE49-F238E27FC236}">
+                <a16:creationId xmlns:a16="http://schemas.microsoft.com/office/drawing/2014/main" id="{5497F79F-7857-4108-B7F4-31783D4D164A}"/>
+              </a:ext>
+            </a:extLst>
+          </p:cNvPr>
+          <p:cNvPicPr>
+            <a:picLocks noChangeAspect="1"/>
+          </p:cNvPicPr>
+          <p:nvPr/>
+        </p:nvPicPr>
+        <p:blipFill>
+          <a:blip r:embed="rId4"/>
+          <a:stretch>
+            <a:fillRect/>
+          </a:stretch>
+        </p:blipFill>
+        <p:spPr>
+          <a:xfrm>
+            <a:off x="2449318" y="4126325"/>
+            <a:ext cx="4698442" cy="2363608"/>
+          </a:xfrm>
+          <a:prstGeom prst="rect">
+            <a:avLst/>
+          </a:prstGeom>
+        </p:spPr>
+      </p:pic>
+      <p:sp>
+        <p:nvSpPr>
+          <p:cNvPr id="3" name="TextBox 2">
+            <a:extLst>
+              <a:ext uri="{FF2B5EF4-FFF2-40B4-BE49-F238E27FC236}">
+                <a16:creationId xmlns:a16="http://schemas.microsoft.com/office/drawing/2014/main" id="{2DE1C5AC-C700-4D86-ABA0-2513808FC904}"/>
+              </a:ext>
+            </a:extLst>
+          </p:cNvPr>
+          <p:cNvSpPr txBox="1"/>
+          <p:nvPr/>
+        </p:nvSpPr>
+        <p:spPr>
+          <a:xfrm>
+            <a:off x="859922" y="4504626"/>
+            <a:ext cx="660758" cy="307777"/>
+          </a:xfrm>
+          <a:prstGeom prst="rect">
+            <a:avLst/>
+          </a:prstGeom>
+          <a:noFill/>
+        </p:spPr>
+        <p:txBody>
+          <a:bodyPr wrap="none" rtlCol="0">
+            <a:spAutoFit/>
+          </a:bodyPr>
+          <a:lstStyle/>
+          <a:p>
+            <a:r>
+              <a:rPr lang="es-VE" dirty="0">
+                <a:latin typeface="Raleway" panose="020B0604020202020204" charset="0"/>
+              </a:rPr>
+              <a:t>Áreas</a:t>
+            </a:r>
+            <a:endParaRPr lang="en-US" dirty="0">
+              <a:latin typeface="Raleway" panose="020B0604020202020204" charset="0"/>
+            </a:endParaRPr>
+          </a:p>
+        </p:txBody>
+      </p:sp>
+      <p:sp>
+        <p:nvSpPr>
+          <p:cNvPr id="9" name="TextBox 8">
+            <a:extLst>
+              <a:ext uri="{FF2B5EF4-FFF2-40B4-BE49-F238E27FC236}">
+                <a16:creationId xmlns:a16="http://schemas.microsoft.com/office/drawing/2014/main" id="{6543D755-5936-426C-B79F-C55AC4698959}"/>
+              </a:ext>
+            </a:extLst>
+          </p:cNvPr>
+          <p:cNvSpPr txBox="1"/>
+          <p:nvPr/>
+        </p:nvSpPr>
+        <p:spPr>
+          <a:xfrm>
+            <a:off x="785383" y="5889265"/>
+            <a:ext cx="827471" cy="307777"/>
+          </a:xfrm>
+          <a:prstGeom prst="rect">
+            <a:avLst/>
+          </a:prstGeom>
+          <a:noFill/>
+        </p:spPr>
+        <p:txBody>
+          <a:bodyPr wrap="none" rtlCol="0">
+            <a:spAutoFit/>
+          </a:bodyPr>
+          <a:lstStyle/>
+          <a:p>
+            <a:r>
+              <a:rPr lang="es-VE" dirty="0">
+                <a:latin typeface="Raleway" panose="020B0604020202020204" charset="0"/>
+              </a:rPr>
+              <a:t>Colores</a:t>
+            </a:r>
+            <a:endParaRPr lang="en-US" dirty="0">
+              <a:latin typeface="Raleway" panose="020B0604020202020204" charset="0"/>
+            </a:endParaRPr>
+          </a:p>
+        </p:txBody>
+      </p:sp>
+      <p:sp>
+        <p:nvSpPr>
+          <p:cNvPr id="10" name="TextBox 9">
+            <a:extLst>
+              <a:ext uri="{FF2B5EF4-FFF2-40B4-BE49-F238E27FC236}">
+                <a16:creationId xmlns:a16="http://schemas.microsoft.com/office/drawing/2014/main" id="{286AB789-CE4B-4DBB-9376-99BFACCCB643}"/>
+              </a:ext>
+            </a:extLst>
+          </p:cNvPr>
+          <p:cNvSpPr txBox="1"/>
+          <p:nvPr/>
+        </p:nvSpPr>
+        <p:spPr>
+          <a:xfrm>
+            <a:off x="513851" y="3818548"/>
+            <a:ext cx="1107996" cy="307777"/>
+          </a:xfrm>
+          <a:prstGeom prst="rect">
+            <a:avLst/>
+          </a:prstGeom>
+          <a:noFill/>
+        </p:spPr>
+        <p:txBody>
+          <a:bodyPr wrap="none" rtlCol="0">
+            <a:spAutoFit/>
+          </a:bodyPr>
+          <a:lstStyle/>
+          <a:p>
+            <a:r>
+              <a:rPr lang="es-VE" b="1" dirty="0">
+                <a:solidFill>
+                  <a:srgbClr val="F7B617"/>
+                </a:solidFill>
+                <a:latin typeface="Raleway" panose="020B0604020202020204" charset="0"/>
+              </a:rPr>
+              <a:t>Elementos</a:t>
+            </a:r>
+            <a:endParaRPr lang="en-US" b="1" dirty="0">
+              <a:solidFill>
+                <a:srgbClr val="F7B617"/>
+              </a:solidFill>
+              <a:latin typeface="Raleway" panose="020B0604020202020204" charset="0"/>
+            </a:endParaRPr>
+          </a:p>
+        </p:txBody>
+      </p:sp>
+      <p:cxnSp>
+        <p:nvCxnSpPr>
+          <p:cNvPr id="12" name="Straight Arrow Connector 11">
+            <a:extLst>
+              <a:ext uri="{FF2B5EF4-FFF2-40B4-BE49-F238E27FC236}">
+                <a16:creationId xmlns:a16="http://schemas.microsoft.com/office/drawing/2014/main" id="{1A296F8C-7598-4664-9501-94D021DA0E86}"/>
+              </a:ext>
+            </a:extLst>
+          </p:cNvPr>
+          <p:cNvCxnSpPr>
+            <a:cxnSpLocks/>
+          </p:cNvCxnSpPr>
+          <p:nvPr/>
+        </p:nvCxnSpPr>
+        <p:spPr>
+          <a:xfrm>
+            <a:off x="1667435" y="4674687"/>
+            <a:ext cx="1242020" cy="371627"/>
+          </a:xfrm>
+          <a:prstGeom prst="straightConnector1">
+            <a:avLst/>
+          </a:prstGeom>
+          <a:ln>
+            <a:solidFill>
+              <a:schemeClr val="tx1"/>
+            </a:solidFill>
+            <a:tailEnd type="triangle"/>
+          </a:ln>
+        </p:spPr>
+        <p:style>
+          <a:lnRef idx="1">
+            <a:schemeClr val="accent1"/>
+          </a:lnRef>
+          <a:fillRef idx="0">
+            <a:schemeClr val="accent1"/>
+          </a:fillRef>
+          <a:effectRef idx="0">
+            <a:schemeClr val="accent1"/>
+          </a:effectRef>
+          <a:fontRef idx="minor">
+            <a:schemeClr val="tx1"/>
+          </a:fontRef>
+        </p:style>
+      </p:cxnSp>
+      <p:cxnSp>
+        <p:nvCxnSpPr>
+          <p:cNvPr id="15" name="Straight Arrow Connector 14">
+            <a:extLst>
+              <a:ext uri="{FF2B5EF4-FFF2-40B4-BE49-F238E27FC236}">
+                <a16:creationId xmlns:a16="http://schemas.microsoft.com/office/drawing/2014/main" id="{CFB19568-B77D-490C-AA3E-FFB547DDC8E4}"/>
+              </a:ext>
+            </a:extLst>
+          </p:cNvPr>
+          <p:cNvCxnSpPr>
+            <a:cxnSpLocks/>
+            <a:stCxn id="9" idx="3"/>
+          </p:cNvCxnSpPr>
+          <p:nvPr/>
+        </p:nvCxnSpPr>
+        <p:spPr>
+          <a:xfrm flipV="1">
+            <a:off x="1612854" y="5198714"/>
+            <a:ext cx="1449001" cy="844440"/>
+          </a:xfrm>
+          <a:prstGeom prst="straightConnector1">
+            <a:avLst/>
+          </a:prstGeom>
+          <a:ln>
+            <a:solidFill>
+              <a:schemeClr val="tx1"/>
+            </a:solidFill>
+            <a:tailEnd type="triangle"/>
+          </a:ln>
+        </p:spPr>
+        <p:style>
+          <a:lnRef idx="1">
+            <a:schemeClr val="accent1"/>
+          </a:lnRef>
+          <a:fillRef idx="0">
+            <a:schemeClr val="accent1"/>
+          </a:fillRef>
+          <a:effectRef idx="0">
+            <a:schemeClr val="accent1"/>
+          </a:effectRef>
+          <a:fontRef idx="minor">
+            <a:schemeClr val="tx1"/>
+          </a:fontRef>
+        </p:style>
+      </p:cxnSp>
+    </p:spTree>
+    <p:extLst>
+      <p:ext uri="{BB962C8B-B14F-4D97-AF65-F5344CB8AC3E}">
+        <p14:creationId xmlns:p14="http://schemas.microsoft.com/office/powerpoint/2010/main" val="1746753364"/>
       </p:ext>
     </p:extLst>
   </p:cSld>

--- a/18-data-visualization/Contenido Semana 2/4.4. Presentación - Visualizaciones Geográficas.pptx
+++ b/18-data-visualization/Contenido Semana 2/4.4. Presentación - Visualizaciones Geográficas.pptx
@@ -17,7 +17,7 @@
   <p:notesSz cx="6858000" cy="9144000"/>
   <p:embeddedFontLst>
     <p:embeddedFont>
-      <p:font typeface="Calibri" panose="020F0502020204030204" pitchFamily="34" charset="0"/>
+      <p:font typeface="Raleway" panose="020B0604020202020204" charset="0"/>
       <p:regular r:id="rId7"/>
       <p:bold r:id="rId8"/>
       <p:italic r:id="rId9"/>
@@ -31,7 +31,7 @@
       <p:boldItalic r:id="rId14"/>
     </p:embeddedFont>
     <p:embeddedFont>
-      <p:font typeface="Raleway" panose="020B0604020202020204" charset="0"/>
+      <p:font typeface="Calibri" panose="020F0502020204030204" pitchFamily="34" charset="0"/>
       <p:regular r:id="rId15"/>
       <p:bold r:id="rId16"/>
       <p:italic r:id="rId17"/>
@@ -10349,7 +10349,7 @@
               <a:rPr lang="es-VE" sz="1600" dirty="0">
                 <a:latin typeface="Raleway" panose="020B0604020202020204" charset="0"/>
               </a:rPr>
-              <a:t>Más información en</a:t>
+              <a:t>Fuente y más información en</a:t>
             </a:r>
             <a:r>
               <a:rPr lang="es-VE" sz="1850" dirty="0">
@@ -10372,9 +10372,28 @@
             <a:r>
               <a:rPr lang="es-VE" sz="1200" dirty="0">
                 <a:latin typeface="Raleway" panose="020B0604020202020204" charset="0"/>
+                <a:hlinkClick r:id="rId3"/>
               </a:rPr>
               <a:t>http://desktop.arcgis.com/es/arcmap/10.3/guide-books/map-projections/about-geographic-coordinate-systems.htm</a:t>
             </a:r>
+            <a:endParaRPr lang="es-VE" sz="1200" dirty="0">
+              <a:latin typeface="Raleway" panose="020B0604020202020204" charset="0"/>
+            </a:endParaRPr>
+          </a:p>
+          <a:p>
+            <a:pPr marL="0" lvl="0" indent="0">
+              <a:lnSpc>
+                <a:spcPct val="90000"/>
+              </a:lnSpc>
+              <a:spcBef>
+                <a:spcPts val="0"/>
+              </a:spcBef>
+              <a:buSzPct val="25000"/>
+              <a:buNone/>
+            </a:pPr>
+            <a:endParaRPr lang="es-VE" sz="1200" dirty="0">
+              <a:latin typeface="Raleway" panose="020B0604020202020204" charset="0"/>
+            </a:endParaRPr>
           </a:p>
         </p:txBody>
       </p:sp>
@@ -10440,7 +10459,7 @@
           <p:nvPr/>
         </p:nvPicPr>
         <p:blipFill rotWithShape="1">
-          <a:blip r:embed="rId3">
+          <a:blip r:embed="rId4">
             <a:alphaModFix/>
           </a:blip>
           <a:srcRect/>
@@ -10531,7 +10550,7 @@
           <p:nvPr/>
         </p:nvPicPr>
         <p:blipFill>
-          <a:blip r:embed="rId4">
+          <a:blip r:embed="rId5">
             <a:extLst>
               <a:ext uri="{28A0092B-C50C-407E-A947-70E740481C1C}">
                 <a14:useLocalDpi xmlns:a14="http://schemas.microsoft.com/office/drawing/2010/main" val="0"/>
@@ -10578,7 +10597,7 @@
           <p:nvPr/>
         </p:nvPicPr>
         <p:blipFill>
-          <a:blip r:embed="rId5">
+          <a:blip r:embed="rId6">
             <a:extLst>
               <a:ext uri="{28A0092B-C50C-407E-A947-70E740481C1C}">
                 <a14:useLocalDpi xmlns:a14="http://schemas.microsoft.com/office/drawing/2010/main" val="0"/>
@@ -11069,7 +11088,7 @@
         </p:nvSpPr>
         <p:spPr>
           <a:xfrm>
-            <a:off x="112541" y="3471147"/>
+            <a:off x="405831" y="3504141"/>
             <a:ext cx="1107996" cy="307777"/>
           </a:xfrm>
           <a:prstGeom prst="rect">
@@ -11203,7 +11222,7 @@
           </a:prstGeom>
           <a:ln>
             <a:solidFill>
-              <a:schemeClr val="tx1"/>
+              <a:srgbClr val="F7B617"/>
             </a:solidFill>
             <a:tailEnd type="triangle"/>
           </a:ln>
@@ -11247,7 +11266,7 @@
           </a:prstGeom>
           <a:ln>
             <a:solidFill>
-              <a:schemeClr val="tx1"/>
+              <a:srgbClr val="F7B617"/>
             </a:solidFill>
             <a:tailEnd type="triangle"/>
           </a:ln>
@@ -11706,7 +11725,7 @@
           </a:prstGeom>
           <a:ln>
             <a:solidFill>
-              <a:schemeClr val="tx1"/>
+              <a:srgbClr val="F7B617"/>
             </a:solidFill>
             <a:tailEnd type="triangle"/>
           </a:ln>
@@ -11751,7 +11770,7 @@
           </a:prstGeom>
           <a:ln>
             <a:solidFill>
-              <a:schemeClr val="tx1"/>
+              <a:srgbClr val="F7B617"/>
             </a:solidFill>
             <a:tailEnd type="triangle"/>
           </a:ln>
